--- a/ERLAB.pptx
+++ b/ERLAB.pptx
@@ -104,6 +104,11 @@
       </a:defRPr>
     </a:lvl9pPr>
   </p:defaultTextStyle>
+  <p:extLst>
+    <p:ext uri="{EFAFB233-063F-42B5-8137-9DF3F51BA10A}">
+      <p15:sldGuideLst xmlns:p15="http://schemas.microsoft.com/office/powerpoint/2012/main"/>
+    </p:ext>
+  </p:extLst>
 </p:presentation>
 </file>
 
@@ -238,7 +243,7 @@
           <a:p>
             <a:fld id="{DC95B635-A863-4CB8-A70E-136ED6A23B56}" type="datetimeFigureOut">
               <a:rPr lang="en-IN" smtClean="0"/>
-              <a:t>06-04-2021</a:t>
+              <a:t>07-04-2021</a:t>
             </a:fld>
             <a:endParaRPr lang="en-IN"/>
           </a:p>
@@ -408,7 +413,7 @@
           <a:p>
             <a:fld id="{DC95B635-A863-4CB8-A70E-136ED6A23B56}" type="datetimeFigureOut">
               <a:rPr lang="en-IN" smtClean="0"/>
-              <a:t>06-04-2021</a:t>
+              <a:t>07-04-2021</a:t>
             </a:fld>
             <a:endParaRPr lang="en-IN"/>
           </a:p>
@@ -588,7 +593,7 @@
           <a:p>
             <a:fld id="{DC95B635-A863-4CB8-A70E-136ED6A23B56}" type="datetimeFigureOut">
               <a:rPr lang="en-IN" smtClean="0"/>
-              <a:t>06-04-2021</a:t>
+              <a:t>07-04-2021</a:t>
             </a:fld>
             <a:endParaRPr lang="en-IN"/>
           </a:p>
@@ -758,7 +763,7 @@
           <a:p>
             <a:fld id="{DC95B635-A863-4CB8-A70E-136ED6A23B56}" type="datetimeFigureOut">
               <a:rPr lang="en-IN" smtClean="0"/>
-              <a:t>06-04-2021</a:t>
+              <a:t>07-04-2021</a:t>
             </a:fld>
             <a:endParaRPr lang="en-IN"/>
           </a:p>
@@ -1004,7 +1009,7 @@
           <a:p>
             <a:fld id="{DC95B635-A863-4CB8-A70E-136ED6A23B56}" type="datetimeFigureOut">
               <a:rPr lang="en-IN" smtClean="0"/>
-              <a:t>06-04-2021</a:t>
+              <a:t>07-04-2021</a:t>
             </a:fld>
             <a:endParaRPr lang="en-IN"/>
           </a:p>
@@ -1236,7 +1241,7 @@
           <a:p>
             <a:fld id="{DC95B635-A863-4CB8-A70E-136ED6A23B56}" type="datetimeFigureOut">
               <a:rPr lang="en-IN" smtClean="0"/>
-              <a:t>06-04-2021</a:t>
+              <a:t>07-04-2021</a:t>
             </a:fld>
             <a:endParaRPr lang="en-IN"/>
           </a:p>
@@ -1603,7 +1608,7 @@
           <a:p>
             <a:fld id="{DC95B635-A863-4CB8-A70E-136ED6A23B56}" type="datetimeFigureOut">
               <a:rPr lang="en-IN" smtClean="0"/>
-              <a:t>06-04-2021</a:t>
+              <a:t>07-04-2021</a:t>
             </a:fld>
             <a:endParaRPr lang="en-IN"/>
           </a:p>
@@ -1721,7 +1726,7 @@
           <a:p>
             <a:fld id="{DC95B635-A863-4CB8-A70E-136ED6A23B56}" type="datetimeFigureOut">
               <a:rPr lang="en-IN" smtClean="0"/>
-              <a:t>06-04-2021</a:t>
+              <a:t>07-04-2021</a:t>
             </a:fld>
             <a:endParaRPr lang="en-IN"/>
           </a:p>
@@ -1816,7 +1821,7 @@
           <a:p>
             <a:fld id="{DC95B635-A863-4CB8-A70E-136ED6A23B56}" type="datetimeFigureOut">
               <a:rPr lang="en-IN" smtClean="0"/>
-              <a:t>06-04-2021</a:t>
+              <a:t>07-04-2021</a:t>
             </a:fld>
             <a:endParaRPr lang="en-IN"/>
           </a:p>
@@ -2093,7 +2098,7 @@
           <a:p>
             <a:fld id="{DC95B635-A863-4CB8-A70E-136ED6A23B56}" type="datetimeFigureOut">
               <a:rPr lang="en-IN" smtClean="0"/>
-              <a:t>06-04-2021</a:t>
+              <a:t>07-04-2021</a:t>
             </a:fld>
             <a:endParaRPr lang="en-IN"/>
           </a:p>
@@ -2346,7 +2351,7 @@
           <a:p>
             <a:fld id="{DC95B635-A863-4CB8-A70E-136ED6A23B56}" type="datetimeFigureOut">
               <a:rPr lang="en-IN" smtClean="0"/>
-              <a:t>06-04-2021</a:t>
+              <a:t>07-04-2021</a:t>
             </a:fld>
             <a:endParaRPr lang="en-IN"/>
           </a:p>
@@ -2559,7 +2564,7 @@
           <a:p>
             <a:fld id="{DC95B635-A863-4CB8-A70E-136ED6A23B56}" type="datetimeFigureOut">
               <a:rPr lang="en-IN" smtClean="0"/>
-              <a:t>06-04-2021</a:t>
+              <a:t>07-04-2021</a:t>
             </a:fld>
             <a:endParaRPr lang="en-IN"/>
           </a:p>
@@ -3057,7 +3062,7 @@
         </p:nvSpPr>
         <p:spPr>
           <a:xfrm>
-            <a:off x="3956088" y="1580563"/>
+            <a:off x="3928067" y="1584542"/>
             <a:ext cx="1532596" cy="457201"/>
           </a:xfrm>
           <a:prstGeom prst="ellipse">
@@ -3183,7 +3188,7 @@
         </p:nvSpPr>
         <p:spPr>
           <a:xfrm>
-            <a:off x="4646052" y="995630"/>
+            <a:off x="4295244" y="1063117"/>
             <a:ext cx="1287896" cy="457201"/>
           </a:xfrm>
           <a:prstGeom prst="ellipse">
@@ -3225,7 +3230,7 @@
         </p:nvSpPr>
         <p:spPr>
           <a:xfrm>
-            <a:off x="4177880" y="358162"/>
+            <a:off x="4140471" y="451142"/>
             <a:ext cx="1899643" cy="536617"/>
           </a:xfrm>
           <a:prstGeom prst="ellipse">
@@ -3309,7 +3314,7 @@
         </p:nvSpPr>
         <p:spPr>
           <a:xfrm>
-            <a:off x="8909693" y="5605298"/>
+            <a:off x="8035696" y="5646075"/>
             <a:ext cx="1777285" cy="577401"/>
           </a:xfrm>
           <a:prstGeom prst="rect">
@@ -3393,7 +3398,7 @@
         </p:nvSpPr>
         <p:spPr>
           <a:xfrm>
-            <a:off x="6682760" y="1384183"/>
+            <a:off x="6554578" y="1087533"/>
             <a:ext cx="1856140" cy="483480"/>
           </a:xfrm>
           <a:prstGeom prst="ellipse">
@@ -3435,7 +3440,7 @@
         </p:nvSpPr>
         <p:spPr>
           <a:xfrm>
-            <a:off x="10187186" y="1033892"/>
+            <a:off x="10012384" y="1060858"/>
             <a:ext cx="2011240" cy="733009"/>
           </a:xfrm>
           <a:prstGeom prst="ellipse">
@@ -3477,7 +3482,7 @@
         </p:nvSpPr>
         <p:spPr>
           <a:xfrm>
-            <a:off x="3515222" y="2841379"/>
+            <a:off x="4939192" y="2466500"/>
             <a:ext cx="1718274" cy="454707"/>
           </a:xfrm>
           <a:prstGeom prst="ellipse">
@@ -3519,7 +3524,7 @@
         </p:nvSpPr>
         <p:spPr>
           <a:xfrm>
-            <a:off x="7065743" y="781493"/>
+            <a:off x="6912979" y="501680"/>
             <a:ext cx="1403797" cy="406705"/>
           </a:xfrm>
           <a:prstGeom prst="ellipse">
@@ -3561,7 +3566,7 @@
         </p:nvSpPr>
         <p:spPr>
           <a:xfrm>
-            <a:off x="10639395" y="3966125"/>
+            <a:off x="10620982" y="3796446"/>
             <a:ext cx="1403797" cy="312429"/>
           </a:xfrm>
           <a:prstGeom prst="ellipse">
@@ -3607,7 +3612,7 @@
         </p:nvSpPr>
         <p:spPr>
           <a:xfrm>
-            <a:off x="7982034" y="340693"/>
+            <a:off x="8177076" y="124753"/>
             <a:ext cx="1707512" cy="604485"/>
           </a:xfrm>
           <a:prstGeom prst="ellipse">
@@ -3733,8 +3738,8 @@
         </p:nvSpPr>
         <p:spPr>
           <a:xfrm>
-            <a:off x="9984118" y="3404095"/>
-            <a:ext cx="950041" cy="484856"/>
+            <a:off x="9966151" y="3335394"/>
+            <a:ext cx="1010347" cy="528593"/>
           </a:xfrm>
           <a:prstGeom prst="rect">
             <a:avLst/>
@@ -3760,8 +3765,8 @@
           <a:p>
             <a:pPr algn="ctr"/>
             <a:r>
-              <a:rPr lang="en-US" dirty="0" smtClean="0"/>
-              <a:t>Test</a:t>
+              <a:rPr lang="en-US" dirty="0" err="1" smtClean="0"/>
+              <a:t>MedicalTest</a:t>
             </a:r>
             <a:endParaRPr lang="en-IN" dirty="0"/>
           </a:p>
@@ -3775,7 +3780,7 @@
         </p:nvSpPr>
         <p:spPr>
           <a:xfrm>
-            <a:off x="5215944" y="3420502"/>
+            <a:off x="5689132" y="3752381"/>
             <a:ext cx="1438899" cy="520373"/>
           </a:xfrm>
           <a:prstGeom prst="rect">
@@ -3816,8 +3821,8 @@
           <p:nvPr/>
         </p:nvSpPr>
         <p:spPr>
-          <a:xfrm>
-            <a:off x="10295689" y="2917340"/>
+          <a:xfrm rot="1408468">
+            <a:off x="10662383" y="2722191"/>
             <a:ext cx="1565569" cy="396107"/>
           </a:xfrm>
           <a:prstGeom prst="ellipse">
@@ -3858,8 +3863,8 @@
           <p:nvPr/>
         </p:nvSpPr>
         <p:spPr>
-          <a:xfrm>
-            <a:off x="173067" y="6126134"/>
+          <a:xfrm rot="324561">
+            <a:off x="100844" y="4702785"/>
             <a:ext cx="2041298" cy="515933"/>
           </a:xfrm>
           <a:prstGeom prst="ellipse">
@@ -3901,7 +3906,7 @@
         </p:nvSpPr>
         <p:spPr>
           <a:xfrm>
-            <a:off x="4722386" y="4208080"/>
+            <a:off x="4573352" y="4471683"/>
             <a:ext cx="2268804" cy="487078"/>
           </a:xfrm>
           <a:prstGeom prst="ellipse">
@@ -3942,8 +3947,8 @@
           <p:nvPr/>
         </p:nvSpPr>
         <p:spPr>
-          <a:xfrm>
-            <a:off x="606" y="4917310"/>
+          <a:xfrm rot="172170">
+            <a:off x="938373" y="4149704"/>
             <a:ext cx="1642067" cy="504419"/>
           </a:xfrm>
           <a:prstGeom prst="ellipse">
@@ -3988,9 +3993,9 @@
           <p:nvPr/>
         </p:nvSpPr>
         <p:spPr>
-          <a:xfrm>
-            <a:off x="1550590" y="4396800"/>
-            <a:ext cx="2627290" cy="772720"/>
+          <a:xfrm rot="21447277">
+            <a:off x="2796363" y="6057035"/>
+            <a:ext cx="2498050" cy="772720"/>
           </a:xfrm>
           <a:prstGeom prst="ellipse">
             <a:avLst/>
@@ -4031,7 +4036,7 @@
         </p:nvSpPr>
         <p:spPr>
           <a:xfrm>
-            <a:off x="2713132" y="6276292"/>
+            <a:off x="-10789" y="5646075"/>
             <a:ext cx="1742944" cy="536624"/>
           </a:xfrm>
           <a:prstGeom prst="ellipse">
@@ -4077,7 +4082,7 @@
         </p:nvSpPr>
         <p:spPr>
           <a:xfrm>
-            <a:off x="211271" y="2068831"/>
+            <a:off x="587014" y="2002484"/>
             <a:ext cx="2290281" cy="516772"/>
           </a:xfrm>
           <a:prstGeom prst="ellipse">
@@ -4119,7 +4124,7 @@
         </p:nvSpPr>
         <p:spPr>
           <a:xfrm>
-            <a:off x="6533606" y="3065124"/>
+            <a:off x="6259706" y="2878298"/>
             <a:ext cx="1403797" cy="243626"/>
           </a:xfrm>
           <a:prstGeom prst="ellipse">
@@ -4161,7 +4166,7 @@
         </p:nvSpPr>
         <p:spPr>
           <a:xfrm>
-            <a:off x="6994054" y="3835766"/>
+            <a:off x="6625034" y="4389537"/>
             <a:ext cx="1403797" cy="243626"/>
           </a:xfrm>
           <a:prstGeom prst="ellipse">
@@ -4203,8 +4208,8 @@
         </p:nvSpPr>
         <p:spPr>
           <a:xfrm rot="169491">
-            <a:off x="9675960" y="1912249"/>
-            <a:ext cx="1861852" cy="505466"/>
+            <a:off x="9727583" y="1808867"/>
+            <a:ext cx="2013963" cy="505466"/>
           </a:xfrm>
           <a:prstGeom prst="ellipse">
             <a:avLst/>
@@ -4245,7 +4250,7 @@
         </p:nvSpPr>
         <p:spPr>
           <a:xfrm>
-            <a:off x="8806040" y="3001511"/>
+            <a:off x="9317297" y="2915333"/>
             <a:ext cx="1403797" cy="243626"/>
           </a:xfrm>
           <a:prstGeom prst="ellipse">
@@ -4287,7 +4292,7 @@
         </p:nvSpPr>
         <p:spPr>
           <a:xfrm>
-            <a:off x="8539449" y="6341657"/>
+            <a:off x="7411405" y="6326886"/>
             <a:ext cx="1707777" cy="471259"/>
           </a:xfrm>
           <a:prstGeom prst="ellipse">
@@ -4328,8 +4333,8 @@
           <p:nvPr/>
         </p:nvSpPr>
         <p:spPr>
-          <a:xfrm rot="638727">
-            <a:off x="9096436" y="4027029"/>
+          <a:xfrm>
+            <a:off x="9234693" y="4115804"/>
             <a:ext cx="1403797" cy="400780"/>
           </a:xfrm>
           <a:prstGeom prst="ellipse">
@@ -4371,7 +4376,7 @@
         </p:nvSpPr>
         <p:spPr>
           <a:xfrm>
-            <a:off x="4943064" y="2575040"/>
+            <a:off x="4151697" y="3443028"/>
             <a:ext cx="1403797" cy="243626"/>
           </a:xfrm>
           <a:prstGeom prst="ellipse">
@@ -4413,7 +4418,7 @@
         </p:nvSpPr>
         <p:spPr>
           <a:xfrm>
-            <a:off x="3220256" y="3638778"/>
+            <a:off x="4169767" y="3826623"/>
             <a:ext cx="1403797" cy="243626"/>
           </a:xfrm>
           <a:prstGeom prst="ellipse">
@@ -4455,7 +4460,7 @@
         </p:nvSpPr>
         <p:spPr>
           <a:xfrm>
-            <a:off x="10686978" y="6234152"/>
+            <a:off x="9728252" y="6132257"/>
             <a:ext cx="1403797" cy="243626"/>
           </a:xfrm>
           <a:prstGeom prst="ellipse">
@@ -4497,7 +4502,7 @@
         </p:nvSpPr>
         <p:spPr>
           <a:xfrm>
-            <a:off x="3822458" y="5507312"/>
+            <a:off x="1247367" y="6083545"/>
             <a:ext cx="1727906" cy="721401"/>
           </a:xfrm>
           <a:prstGeom prst="ellipse">
@@ -4539,8 +4544,8 @@
         </p:nvSpPr>
         <p:spPr>
           <a:xfrm>
-            <a:off x="10368539" y="5086388"/>
-            <a:ext cx="1403797" cy="243626"/>
+            <a:off x="9922864" y="5679356"/>
+            <a:ext cx="1144484" cy="215005"/>
           </a:xfrm>
           <a:prstGeom prst="ellipse">
             <a:avLst/>
@@ -4581,7 +4586,7 @@
         </p:nvSpPr>
         <p:spPr>
           <a:xfrm>
-            <a:off x="8336538" y="4965035"/>
+            <a:off x="7696420" y="5056492"/>
             <a:ext cx="1620877" cy="403009"/>
           </a:xfrm>
           <a:prstGeom prst="ellipse">
@@ -4623,8 +4628,8 @@
         </p:nvSpPr>
         <p:spPr>
           <a:xfrm>
-            <a:off x="6991190" y="5537477"/>
-            <a:ext cx="1666208" cy="546040"/>
+            <a:off x="5942324" y="5796098"/>
+            <a:ext cx="1792358" cy="546040"/>
           </a:xfrm>
           <a:prstGeom prst="ellipse">
             <a:avLst/>
@@ -4651,7 +4656,11 @@
             <a:pPr algn="ctr"/>
             <a:r>
               <a:rPr lang="en-US" dirty="0" err="1" smtClean="0"/>
-              <a:t>totalPrice</a:t>
+              <a:t>Billing</a:t>
+            </a:r>
+            <a:r>
+              <a:rPr lang="en-US" dirty="0" err="1" smtClean="0"/>
+              <a:t>Price</a:t>
             </a:r>
             <a:endParaRPr lang="en-IN" dirty="0"/>
           </a:p>
@@ -4727,14 +4736,15 @@
         <p:nvCxnSpPr>
           <p:cNvPr id="53" name="Straight Connector 52"/>
           <p:cNvCxnSpPr>
+            <a:stCxn id="5" idx="3"/>
             <a:endCxn id="11" idx="3"/>
           </p:cNvCxnSpPr>
           <p:nvPr/>
         </p:nvCxnSpPr>
         <p:spPr>
           <a:xfrm flipV="1">
-            <a:off x="3713759" y="816193"/>
-            <a:ext cx="742317" cy="574812"/>
+            <a:off x="3718809" y="909173"/>
+            <a:ext cx="699858" cy="434183"/>
           </a:xfrm>
           <a:prstGeom prst="line">
             <a:avLst/>
@@ -4766,8 +4776,8 @@
         </p:nvCxnSpPr>
         <p:spPr>
           <a:xfrm flipV="1">
-            <a:off x="3718809" y="1224231"/>
-            <a:ext cx="927243" cy="119125"/>
+            <a:off x="3718809" y="1291718"/>
+            <a:ext cx="576435" cy="51638"/>
           </a:xfrm>
           <a:prstGeom prst="line">
             <a:avLst/>
@@ -4832,8 +4842,8 @@
         </p:nvCxnSpPr>
         <p:spPr>
           <a:xfrm flipH="1">
-            <a:off x="2166148" y="1587542"/>
-            <a:ext cx="867649" cy="556969"/>
+            <a:off x="2541891" y="1587542"/>
+            <a:ext cx="491906" cy="490622"/>
           </a:xfrm>
           <a:prstGeom prst="line">
             <a:avLst/>
@@ -4866,7 +4876,7 @@
         <p:spPr>
           <a:xfrm flipH="1" flipV="1">
             <a:off x="3718809" y="1343356"/>
-            <a:ext cx="237279" cy="465808"/>
+            <a:ext cx="209258" cy="469787"/>
           </a:xfrm>
           <a:prstGeom prst="line">
             <a:avLst/>
@@ -4898,8 +4908,8 @@
         </p:nvCxnSpPr>
         <p:spPr>
           <a:xfrm flipH="1" flipV="1">
-            <a:off x="8835790" y="945178"/>
-            <a:ext cx="502998" cy="330073"/>
+            <a:off x="9030832" y="729238"/>
+            <a:ext cx="307956" cy="546013"/>
           </a:xfrm>
           <a:prstGeom prst="line">
             <a:avLst/>
@@ -4931,8 +4941,8 @@
         </p:nvCxnSpPr>
         <p:spPr>
           <a:xfrm flipH="1" flipV="1">
-            <a:off x="8263959" y="1128637"/>
-            <a:ext cx="519433" cy="379755"/>
+            <a:off x="8111195" y="848824"/>
+            <a:ext cx="672197" cy="659568"/>
           </a:xfrm>
           <a:prstGeom prst="line">
             <a:avLst/>
@@ -4963,9 +4973,9 @@
           <p:nvPr/>
         </p:nvCxnSpPr>
         <p:spPr>
-          <a:xfrm flipH="1">
-            <a:off x="8538900" y="1508392"/>
-            <a:ext cx="244492" cy="117531"/>
+          <a:xfrm flipH="1" flipV="1">
+            <a:off x="8410718" y="1329273"/>
+            <a:ext cx="372674" cy="179119"/>
           </a:xfrm>
           <a:prstGeom prst="line">
             <a:avLst/>
@@ -5030,8 +5040,8 @@
         </p:nvCxnSpPr>
         <p:spPr>
           <a:xfrm flipV="1">
-            <a:off x="9894183" y="1400397"/>
-            <a:ext cx="293003" cy="107995"/>
+            <a:off x="9894183" y="1427363"/>
+            <a:ext cx="118201" cy="81029"/>
           </a:xfrm>
           <a:prstGeom prst="line">
             <a:avLst/>
@@ -5064,40 +5074,7 @@
         <p:spPr>
           <a:xfrm>
             <a:off x="9338788" y="1741532"/>
-            <a:ext cx="338303" cy="377571"/>
-          </a:xfrm>
-          <a:prstGeom prst="line">
-            <a:avLst/>
-          </a:prstGeom>
-        </p:spPr>
-        <p:style>
-          <a:lnRef idx="1">
-            <a:schemeClr val="dk1"/>
-          </a:lnRef>
-          <a:fillRef idx="0">
-            <a:schemeClr val="dk1"/>
-          </a:fillRef>
-          <a:effectRef idx="0">
-            <a:schemeClr val="dk1"/>
-          </a:effectRef>
-          <a:fontRef idx="minor">
-            <a:schemeClr val="tx1"/>
-          </a:fontRef>
-        </p:style>
-      </p:cxnSp>
-      <p:cxnSp>
-        <p:nvCxnSpPr>
-          <p:cNvPr id="82" name="Straight Connector 81"/>
-          <p:cNvCxnSpPr>
-            <a:stCxn id="24" idx="1"/>
-            <a:endCxn id="17" idx="5"/>
-          </p:cNvCxnSpPr>
-          <p:nvPr/>
-        </p:nvCxnSpPr>
-        <p:spPr>
-          <a:xfrm flipH="1" flipV="1">
-            <a:off x="4981861" y="3229496"/>
-            <a:ext cx="234083" cy="451193"/>
+            <a:ext cx="390019" cy="270441"/>
           </a:xfrm>
           <a:prstGeom prst="line">
             <a:avLst/>
@@ -5129,41 +5106,8 @@
         </p:nvCxnSpPr>
         <p:spPr>
           <a:xfrm flipH="1" flipV="1">
-            <a:off x="5644963" y="2818666"/>
-            <a:ext cx="290431" cy="601836"/>
-          </a:xfrm>
-          <a:prstGeom prst="line">
-            <a:avLst/>
-          </a:prstGeom>
-        </p:spPr>
-        <p:style>
-          <a:lnRef idx="1">
-            <a:schemeClr val="dk1"/>
-          </a:lnRef>
-          <a:fillRef idx="0">
-            <a:schemeClr val="dk1"/>
-          </a:fillRef>
-          <a:effectRef idx="0">
-            <a:schemeClr val="dk1"/>
-          </a:effectRef>
-          <a:fontRef idx="minor">
-            <a:schemeClr val="tx1"/>
-          </a:fontRef>
-        </p:style>
-      </p:cxnSp>
-      <p:cxnSp>
-        <p:nvCxnSpPr>
-          <p:cNvPr id="86" name="Straight Connector 85"/>
-          <p:cNvCxnSpPr>
-            <a:stCxn id="24" idx="3"/>
-            <a:endCxn id="32" idx="4"/>
-          </p:cNvCxnSpPr>
-          <p:nvPr/>
-        </p:nvCxnSpPr>
-        <p:spPr>
-          <a:xfrm flipV="1">
-            <a:off x="6654843" y="3308750"/>
-            <a:ext cx="580662" cy="371939"/>
+            <a:off x="4853596" y="3686654"/>
+            <a:ext cx="1554986" cy="65727"/>
           </a:xfrm>
           <a:prstGeom prst="line">
             <a:avLst/>
@@ -5195,8 +5139,8 @@
         </p:nvCxnSpPr>
         <p:spPr>
           <a:xfrm>
-            <a:off x="6654843" y="3680689"/>
-            <a:ext cx="1041110" cy="155077"/>
+            <a:off x="7128031" y="4012568"/>
+            <a:ext cx="198902" cy="376969"/>
           </a:xfrm>
           <a:prstGeom prst="line">
             <a:avLst/>
@@ -5227,9 +5171,9 @@
           <p:nvPr/>
         </p:nvCxnSpPr>
         <p:spPr>
-          <a:xfrm flipH="1">
-            <a:off x="4624053" y="3680689"/>
-            <a:ext cx="591891" cy="79902"/>
+          <a:xfrm flipH="1" flipV="1">
+            <a:off x="5573564" y="3948436"/>
+            <a:ext cx="115568" cy="64132"/>
           </a:xfrm>
           <a:prstGeom prst="line">
             <a:avLst/>
@@ -5261,8 +5205,8 @@
         </p:nvCxnSpPr>
         <p:spPr>
           <a:xfrm flipH="1">
-            <a:off x="5856788" y="3940875"/>
-            <a:ext cx="78606" cy="267205"/>
+            <a:off x="5707754" y="4272754"/>
+            <a:ext cx="700828" cy="198929"/>
           </a:xfrm>
           <a:prstGeom prst="line">
             <a:avLst/>
@@ -5294,8 +5238,8 @@
         </p:nvCxnSpPr>
         <p:spPr>
           <a:xfrm flipH="1" flipV="1">
-            <a:off x="9507939" y="3245137"/>
-            <a:ext cx="951200" cy="158958"/>
+            <a:off x="10019196" y="3158959"/>
+            <a:ext cx="452129" cy="176435"/>
           </a:xfrm>
           <a:prstGeom prst="line">
             <a:avLst/>
@@ -5327,8 +5271,8 @@
         </p:nvCxnSpPr>
         <p:spPr>
           <a:xfrm flipV="1">
-            <a:off x="10459139" y="3313447"/>
-            <a:ext cx="619335" cy="90648"/>
+            <a:off x="10471325" y="3101907"/>
+            <a:ext cx="894950" cy="233487"/>
           </a:xfrm>
           <a:prstGeom prst="line">
             <a:avLst/>
@@ -5360,8 +5304,8 @@
         </p:nvCxnSpPr>
         <p:spPr>
           <a:xfrm flipH="1">
-            <a:off x="9835353" y="3888951"/>
-            <a:ext cx="623786" cy="141527"/>
+            <a:off x="9936592" y="3863987"/>
+            <a:ext cx="534733" cy="251817"/>
           </a:xfrm>
           <a:prstGeom prst="line">
             <a:avLst/>
@@ -5393,173 +5337,8 @@
         </p:nvCxnSpPr>
         <p:spPr>
           <a:xfrm>
-            <a:off x="10934159" y="3646523"/>
-            <a:ext cx="407135" cy="319602"/>
-          </a:xfrm>
-          <a:prstGeom prst="line">
-            <a:avLst/>
-          </a:prstGeom>
-        </p:spPr>
-        <p:style>
-          <a:lnRef idx="1">
-            <a:schemeClr val="dk1"/>
-          </a:lnRef>
-          <a:fillRef idx="0">
-            <a:schemeClr val="dk1"/>
-          </a:fillRef>
-          <a:effectRef idx="0">
-            <a:schemeClr val="dk1"/>
-          </a:effectRef>
-          <a:fontRef idx="minor">
-            <a:schemeClr val="tx1"/>
-          </a:fontRef>
-        </p:style>
-      </p:cxnSp>
-      <p:cxnSp>
-        <p:nvCxnSpPr>
-          <p:cNvPr id="104" name="Straight Connector 103"/>
-          <p:cNvCxnSpPr>
-            <a:stCxn id="22" idx="0"/>
-            <a:endCxn id="29" idx="4"/>
-          </p:cNvCxnSpPr>
-          <p:nvPr/>
-        </p:nvCxnSpPr>
-        <p:spPr>
-          <a:xfrm flipV="1">
-            <a:off x="2783849" y="5169520"/>
-            <a:ext cx="80386" cy="160494"/>
-          </a:xfrm>
-          <a:prstGeom prst="line">
-            <a:avLst/>
-          </a:prstGeom>
-        </p:spPr>
-        <p:style>
-          <a:lnRef idx="1">
-            <a:schemeClr val="dk1"/>
-          </a:lnRef>
-          <a:fillRef idx="0">
-            <a:schemeClr val="dk1"/>
-          </a:fillRef>
-          <a:effectRef idx="0">
-            <a:schemeClr val="dk1"/>
-          </a:effectRef>
-          <a:fontRef idx="minor">
-            <a:schemeClr val="tx1"/>
-          </a:fontRef>
-        </p:style>
-      </p:cxnSp>
-      <p:cxnSp>
-        <p:nvCxnSpPr>
-          <p:cNvPr id="106" name="Straight Connector 105"/>
-          <p:cNvCxnSpPr>
-            <a:stCxn id="22" idx="1"/>
-            <a:endCxn id="28" idx="6"/>
-          </p:cNvCxnSpPr>
-          <p:nvPr/>
-        </p:nvCxnSpPr>
-        <p:spPr>
-          <a:xfrm flipH="1" flipV="1">
-            <a:off x="1642673" y="5169520"/>
-            <a:ext cx="351694" cy="376287"/>
-          </a:xfrm>
-          <a:prstGeom prst="line">
-            <a:avLst/>
-          </a:prstGeom>
-        </p:spPr>
-        <p:style>
-          <a:lnRef idx="1">
-            <a:schemeClr val="dk1"/>
-          </a:lnRef>
-          <a:fillRef idx="0">
-            <a:schemeClr val="dk1"/>
-          </a:fillRef>
-          <a:effectRef idx="0">
-            <a:schemeClr val="dk1"/>
-          </a:effectRef>
-          <a:fontRef idx="minor">
-            <a:schemeClr val="tx1"/>
-          </a:fontRef>
-        </p:style>
-      </p:cxnSp>
-      <p:cxnSp>
-        <p:nvCxnSpPr>
-          <p:cNvPr id="108" name="Straight Connector 107"/>
-          <p:cNvCxnSpPr>
-            <a:stCxn id="22" idx="2"/>
-            <a:endCxn id="26" idx="0"/>
-          </p:cNvCxnSpPr>
-          <p:nvPr/>
-        </p:nvCxnSpPr>
-        <p:spPr>
-          <a:xfrm flipH="1">
-            <a:off x="1193716" y="5761599"/>
-            <a:ext cx="1590133" cy="364535"/>
-          </a:xfrm>
-          <a:prstGeom prst="line">
-            <a:avLst/>
-          </a:prstGeom>
-        </p:spPr>
-        <p:style>
-          <a:lnRef idx="1">
-            <a:schemeClr val="dk1"/>
-          </a:lnRef>
-          <a:fillRef idx="0">
-            <a:schemeClr val="dk1"/>
-          </a:fillRef>
-          <a:effectRef idx="0">
-            <a:schemeClr val="dk1"/>
-          </a:effectRef>
-          <a:fontRef idx="minor">
-            <a:schemeClr val="tx1"/>
-          </a:fontRef>
-        </p:style>
-      </p:cxnSp>
-      <p:cxnSp>
-        <p:nvCxnSpPr>
-          <p:cNvPr id="110" name="Straight Connector 109"/>
-          <p:cNvCxnSpPr>
-            <a:stCxn id="22" idx="2"/>
-            <a:endCxn id="30" idx="0"/>
-          </p:cNvCxnSpPr>
-          <p:nvPr/>
-        </p:nvCxnSpPr>
-        <p:spPr>
-          <a:xfrm>
-            <a:off x="2783849" y="5761599"/>
-            <a:ext cx="800755" cy="514693"/>
-          </a:xfrm>
-          <a:prstGeom prst="line">
-            <a:avLst/>
-          </a:prstGeom>
-        </p:spPr>
-        <p:style>
-          <a:lnRef idx="1">
-            <a:schemeClr val="dk1"/>
-          </a:lnRef>
-          <a:fillRef idx="0">
-            <a:schemeClr val="dk1"/>
-          </a:fillRef>
-          <a:effectRef idx="0">
-            <a:schemeClr val="dk1"/>
-          </a:effectRef>
-          <a:fontRef idx="minor">
-            <a:schemeClr val="tx1"/>
-          </a:fontRef>
-        </p:style>
-      </p:cxnSp>
-      <p:cxnSp>
-        <p:nvCxnSpPr>
-          <p:cNvPr id="112" name="Straight Connector 111"/>
-          <p:cNvCxnSpPr>
-            <a:stCxn id="22" idx="3"/>
-            <a:endCxn id="41" idx="1"/>
-          </p:cNvCxnSpPr>
-          <p:nvPr/>
-        </p:nvCxnSpPr>
-        <p:spPr>
-          <a:xfrm>
-            <a:off x="3573331" y="5545807"/>
-            <a:ext cx="502173" cy="67152"/>
+            <a:off x="10976498" y="3599691"/>
+            <a:ext cx="346383" cy="196755"/>
           </a:xfrm>
           <a:prstGeom prst="line">
             <a:avLst/>
@@ -5591,41 +5370,8 @@
         </p:nvCxnSpPr>
         <p:spPr>
           <a:xfrm flipH="1" flipV="1">
-            <a:off x="9146977" y="5368044"/>
-            <a:ext cx="651359" cy="237254"/>
-          </a:xfrm>
-          <a:prstGeom prst="line">
-            <a:avLst/>
-          </a:prstGeom>
-        </p:spPr>
-        <p:style>
-          <a:lnRef idx="1">
-            <a:schemeClr val="dk1"/>
-          </a:lnRef>
-          <a:fillRef idx="0">
-            <a:schemeClr val="dk1"/>
-          </a:fillRef>
-          <a:effectRef idx="0">
-            <a:schemeClr val="dk1"/>
-          </a:effectRef>
-          <a:fontRef idx="minor">
-            <a:schemeClr val="tx1"/>
-          </a:fontRef>
-        </p:style>
-      </p:cxnSp>
-      <p:cxnSp>
-        <p:nvCxnSpPr>
-          <p:cNvPr id="116" name="Straight Connector 115"/>
-          <p:cNvCxnSpPr>
-            <a:stCxn id="13" idx="0"/>
-            <a:endCxn id="42" idx="4"/>
-          </p:cNvCxnSpPr>
-          <p:nvPr/>
-        </p:nvCxnSpPr>
-        <p:spPr>
-          <a:xfrm flipV="1">
-            <a:off x="9798336" y="5330014"/>
-            <a:ext cx="1272102" cy="275284"/>
+            <a:off x="8506859" y="5459501"/>
+            <a:ext cx="417480" cy="186574"/>
           </a:xfrm>
           <a:prstGeom prst="line">
             <a:avLst/>
@@ -5656,9 +5402,9 @@
           <p:nvPr/>
         </p:nvCxnSpPr>
         <p:spPr>
-          <a:xfrm flipH="1" flipV="1">
-            <a:off x="8657398" y="5810497"/>
-            <a:ext cx="252295" cy="83502"/>
+          <a:xfrm flipH="1">
+            <a:off x="7734682" y="5934776"/>
+            <a:ext cx="301014" cy="134342"/>
           </a:xfrm>
           <a:prstGeom prst="line">
             <a:avLst/>
@@ -5690,8 +5436,8 @@
         </p:nvCxnSpPr>
         <p:spPr>
           <a:xfrm flipH="1">
-            <a:off x="9393338" y="6182699"/>
-            <a:ext cx="404998" cy="158958"/>
+            <a:off x="8265294" y="6223476"/>
+            <a:ext cx="659045" cy="103410"/>
           </a:xfrm>
           <a:prstGeom prst="line">
             <a:avLst/>
@@ -5723,8 +5469,8 @@
         </p:nvCxnSpPr>
         <p:spPr>
           <a:xfrm>
-            <a:off x="10686978" y="5893999"/>
-            <a:ext cx="701899" cy="340153"/>
+            <a:off x="9812981" y="5934776"/>
+            <a:ext cx="617170" cy="197481"/>
           </a:xfrm>
           <a:prstGeom prst="line">
             <a:avLst/>
@@ -5753,7 +5499,7 @@
         </p:nvSpPr>
         <p:spPr>
           <a:xfrm>
-            <a:off x="7331843" y="1998619"/>
+            <a:off x="6813666" y="1613754"/>
             <a:ext cx="2091756" cy="464669"/>
           </a:xfrm>
           <a:prstGeom prst="ellipse">
@@ -5828,27 +5574,502 @@
         </p:nvSpPr>
         <p:spPr>
           <a:xfrm>
-            <a:off x="855613" y="3123324"/>
-            <a:ext cx="1389954" cy="1195151"/>
+            <a:off x="4339508" y="5007371"/>
+            <a:ext cx="1389954" cy="1060302"/>
           </a:xfrm>
           <a:prstGeom prst="diamond">
             <a:avLst/>
           </a:prstGeom>
+          <a:solidFill>
+            <a:schemeClr val="bg2"/>
+          </a:solidFill>
         </p:spPr>
         <p:style>
           <a:lnRef idx="2">
-            <a:schemeClr val="accent1">
-              <a:shade val="50000"/>
-            </a:schemeClr>
+            <a:schemeClr val="dk1"/>
           </a:lnRef>
           <a:fillRef idx="1">
-            <a:schemeClr val="accent1"/>
-          </a:fillRef>
-          <a:effectRef idx="0">
-            <a:schemeClr val="accent1"/>
-          </a:effectRef>
-          <a:fontRef idx="minor">
             <a:schemeClr val="lt1"/>
+          </a:fillRef>
+          <a:effectRef idx="0">
+            <a:schemeClr val="dk1"/>
+          </a:effectRef>
+          <a:fontRef idx="minor">
+            <a:schemeClr val="dk1"/>
+          </a:fontRef>
+        </p:style>
+        <p:txBody>
+          <a:bodyPr rtlCol="0" anchor="ctr"/>
+          <a:lstStyle/>
+          <a:p>
+            <a:pPr algn="ctr"/>
+            <a:r>
+              <a:rPr lang="en-US" dirty="0" smtClean="0"/>
+              <a:t>has</a:t>
+            </a:r>
+            <a:endParaRPr lang="en-IN" dirty="0"/>
+          </a:p>
+        </p:txBody>
+      </p:sp>
+      <p:sp>
+        <p:nvSpPr>
+          <p:cNvPr id="226" name="Diamond 225"/>
+          <p:cNvSpPr/>
+          <p:nvPr/>
+        </p:nvSpPr>
+        <p:spPr>
+          <a:xfrm>
+            <a:off x="8231079" y="3327990"/>
+            <a:ext cx="1513050" cy="909199"/>
+          </a:xfrm>
+          <a:prstGeom prst="diamond">
+            <a:avLst/>
+          </a:prstGeom>
+          <a:solidFill>
+            <a:schemeClr val="bg2"/>
+          </a:solidFill>
+        </p:spPr>
+        <p:style>
+          <a:lnRef idx="2">
+            <a:schemeClr val="dk1"/>
+          </a:lnRef>
+          <a:fillRef idx="1">
+            <a:schemeClr val="lt1"/>
+          </a:fillRef>
+          <a:effectRef idx="0">
+            <a:schemeClr val="dk1"/>
+          </a:effectRef>
+          <a:fontRef idx="minor">
+            <a:schemeClr val="dk1"/>
+          </a:fontRef>
+        </p:style>
+        <p:txBody>
+          <a:bodyPr rtlCol="0" anchor="ctr"/>
+          <a:lstStyle/>
+          <a:p>
+            <a:pPr algn="ctr"/>
+            <a:r>
+              <a:rPr lang="en-US" dirty="0" smtClean="0"/>
+              <a:t>has</a:t>
+            </a:r>
+            <a:endParaRPr lang="en-IN" dirty="0"/>
+          </a:p>
+        </p:txBody>
+      </p:sp>
+      <p:sp>
+        <p:nvSpPr>
+          <p:cNvPr id="227" name="Diamond 226"/>
+          <p:cNvSpPr/>
+          <p:nvPr/>
+        </p:nvSpPr>
+        <p:spPr>
+          <a:xfrm rot="19961367">
+            <a:off x="7833510" y="2194125"/>
+            <a:ext cx="1908287" cy="1042989"/>
+          </a:xfrm>
+          <a:prstGeom prst="diamond">
+            <a:avLst/>
+          </a:prstGeom>
+          <a:solidFill>
+            <a:schemeClr val="bg2"/>
+          </a:solidFill>
+        </p:spPr>
+        <p:style>
+          <a:lnRef idx="2">
+            <a:schemeClr val="dk1"/>
+          </a:lnRef>
+          <a:fillRef idx="1">
+            <a:schemeClr val="lt1"/>
+          </a:fillRef>
+          <a:effectRef idx="0">
+            <a:schemeClr val="dk1"/>
+          </a:effectRef>
+          <a:fontRef idx="minor">
+            <a:schemeClr val="dk1"/>
+          </a:fontRef>
+        </p:style>
+        <p:txBody>
+          <a:bodyPr rtlCol="0" anchor="ctr"/>
+          <a:lstStyle/>
+          <a:p>
+            <a:pPr algn="ctr"/>
+            <a:r>
+              <a:rPr lang="en-US" dirty="0" smtClean="0"/>
+              <a:t>Attends</a:t>
+            </a:r>
+            <a:endParaRPr lang="en-IN" dirty="0"/>
+          </a:p>
+        </p:txBody>
+      </p:sp>
+      <p:sp>
+        <p:nvSpPr>
+          <p:cNvPr id="244" name="Diamond 243"/>
+          <p:cNvSpPr/>
+          <p:nvPr/>
+        </p:nvSpPr>
+        <p:spPr>
+          <a:xfrm rot="1759592">
+            <a:off x="3229105" y="2308567"/>
+            <a:ext cx="1389954" cy="1060302"/>
+          </a:xfrm>
+          <a:prstGeom prst="diamond">
+            <a:avLst/>
+          </a:prstGeom>
+          <a:solidFill>
+            <a:schemeClr val="bg2"/>
+          </a:solidFill>
+        </p:spPr>
+        <p:style>
+          <a:lnRef idx="2">
+            <a:schemeClr val="dk1"/>
+          </a:lnRef>
+          <a:fillRef idx="1">
+            <a:schemeClr val="lt1"/>
+          </a:fillRef>
+          <a:effectRef idx="0">
+            <a:schemeClr val="dk1"/>
+          </a:effectRef>
+          <a:fontRef idx="minor">
+            <a:schemeClr val="dk1"/>
+          </a:fontRef>
+        </p:style>
+        <p:txBody>
+          <a:bodyPr rtlCol="0" anchor="ctr"/>
+          <a:lstStyle/>
+          <a:p>
+            <a:pPr algn="ctr"/>
+            <a:r>
+              <a:rPr lang="en-US" dirty="0" smtClean="0"/>
+              <a:t>takes</a:t>
+            </a:r>
+            <a:endParaRPr lang="en-IN" dirty="0"/>
+          </a:p>
+        </p:txBody>
+      </p:sp>
+      <p:cxnSp>
+        <p:nvCxnSpPr>
+          <p:cNvPr id="262" name="Straight Connector 261"/>
+          <p:cNvCxnSpPr>
+            <a:stCxn id="5" idx="2"/>
+            <a:endCxn id="224" idx="0"/>
+          </p:cNvCxnSpPr>
+          <p:nvPr/>
+        </p:nvCxnSpPr>
+        <p:spPr>
+          <a:xfrm>
+            <a:off x="3033797" y="1587542"/>
+            <a:ext cx="2000688" cy="3419829"/>
+          </a:xfrm>
+          <a:prstGeom prst="line">
+            <a:avLst/>
+          </a:prstGeom>
+        </p:spPr>
+        <p:style>
+          <a:lnRef idx="1">
+            <a:schemeClr val="dk1"/>
+          </a:lnRef>
+          <a:fillRef idx="0">
+            <a:schemeClr val="dk1"/>
+          </a:fillRef>
+          <a:effectRef idx="0">
+            <a:schemeClr val="dk1"/>
+          </a:effectRef>
+          <a:fontRef idx="minor">
+            <a:schemeClr val="tx1"/>
+          </a:fontRef>
+        </p:style>
+      </p:cxnSp>
+      <p:cxnSp>
+        <p:nvCxnSpPr>
+          <p:cNvPr id="302" name="Straight Connector 301"/>
+          <p:cNvCxnSpPr>
+            <a:stCxn id="22" idx="1"/>
+            <a:endCxn id="26" idx="4"/>
+          </p:cNvCxnSpPr>
+          <p:nvPr/>
+        </p:nvCxnSpPr>
+        <p:spPr>
+          <a:xfrm flipH="1" flipV="1">
+            <a:off x="1097174" y="5217569"/>
+            <a:ext cx="897193" cy="328238"/>
+          </a:xfrm>
+          <a:prstGeom prst="line">
+            <a:avLst/>
+          </a:prstGeom>
+        </p:spPr>
+        <p:style>
+          <a:lnRef idx="1">
+            <a:schemeClr val="dk1"/>
+          </a:lnRef>
+          <a:fillRef idx="0">
+            <a:schemeClr val="dk1"/>
+          </a:fillRef>
+          <a:effectRef idx="0">
+            <a:schemeClr val="dk1"/>
+          </a:effectRef>
+          <a:fontRef idx="minor">
+            <a:schemeClr val="tx1"/>
+          </a:fontRef>
+        </p:style>
+      </p:cxnSp>
+      <p:cxnSp>
+        <p:nvCxnSpPr>
+          <p:cNvPr id="305" name="Straight Connector 304"/>
+          <p:cNvCxnSpPr>
+            <a:stCxn id="22" idx="2"/>
+            <a:endCxn id="41" idx="0"/>
+          </p:cNvCxnSpPr>
+          <p:nvPr/>
+        </p:nvCxnSpPr>
+        <p:spPr>
+          <a:xfrm flipH="1">
+            <a:off x="2111320" y="5761599"/>
+            <a:ext cx="672529" cy="321946"/>
+          </a:xfrm>
+          <a:prstGeom prst="line">
+            <a:avLst/>
+          </a:prstGeom>
+        </p:spPr>
+        <p:style>
+          <a:lnRef idx="1">
+            <a:schemeClr val="dk1"/>
+          </a:lnRef>
+          <a:fillRef idx="0">
+            <a:schemeClr val="dk1"/>
+          </a:fillRef>
+          <a:effectRef idx="0">
+            <a:schemeClr val="dk1"/>
+          </a:effectRef>
+          <a:fontRef idx="minor">
+            <a:schemeClr val="tx1"/>
+          </a:fontRef>
+        </p:style>
+      </p:cxnSp>
+      <p:cxnSp>
+        <p:nvCxnSpPr>
+          <p:cNvPr id="308" name="Straight Connector 307"/>
+          <p:cNvCxnSpPr>
+            <a:stCxn id="22" idx="3"/>
+            <a:endCxn id="29" idx="0"/>
+          </p:cNvCxnSpPr>
+          <p:nvPr/>
+        </p:nvCxnSpPr>
+        <p:spPr>
+          <a:xfrm>
+            <a:off x="3573331" y="5545807"/>
+            <a:ext cx="454898" cy="511609"/>
+          </a:xfrm>
+          <a:prstGeom prst="line">
+            <a:avLst/>
+          </a:prstGeom>
+        </p:spPr>
+        <p:style>
+          <a:lnRef idx="1">
+            <a:schemeClr val="dk1"/>
+          </a:lnRef>
+          <a:fillRef idx="0">
+            <a:schemeClr val="dk1"/>
+          </a:fillRef>
+          <a:effectRef idx="0">
+            <a:schemeClr val="dk1"/>
+          </a:effectRef>
+          <a:fontRef idx="minor">
+            <a:schemeClr val="tx1"/>
+          </a:fontRef>
+        </p:style>
+      </p:cxnSp>
+      <p:cxnSp>
+        <p:nvCxnSpPr>
+          <p:cNvPr id="324" name="Straight Connector 323"/>
+          <p:cNvCxnSpPr>
+            <a:stCxn id="5" idx="2"/>
+          </p:cNvCxnSpPr>
+          <p:nvPr/>
+        </p:nvCxnSpPr>
+        <p:spPr>
+          <a:xfrm>
+            <a:off x="3033797" y="1587542"/>
+            <a:ext cx="282941" cy="875745"/>
+          </a:xfrm>
+          <a:prstGeom prst="line">
+            <a:avLst/>
+          </a:prstGeom>
+        </p:spPr>
+        <p:style>
+          <a:lnRef idx="1">
+            <a:schemeClr val="dk1"/>
+          </a:lnRef>
+          <a:fillRef idx="0">
+            <a:schemeClr val="dk1"/>
+          </a:fillRef>
+          <a:effectRef idx="0">
+            <a:schemeClr val="dk1"/>
+          </a:effectRef>
+          <a:fontRef idx="minor">
+            <a:schemeClr val="tx1"/>
+          </a:fontRef>
+        </p:style>
+      </p:cxnSp>
+      <p:cxnSp>
+        <p:nvCxnSpPr>
+          <p:cNvPr id="326" name="Straight Connector 325"/>
+          <p:cNvCxnSpPr>
+            <a:stCxn id="244" idx="3"/>
+            <a:endCxn id="24" idx="0"/>
+          </p:cNvCxnSpPr>
+          <p:nvPr/>
+        </p:nvCxnSpPr>
+        <p:spPr>
+          <a:xfrm>
+            <a:off x="4529993" y="3179108"/>
+            <a:ext cx="1878589" cy="573273"/>
+          </a:xfrm>
+          <a:prstGeom prst="line">
+            <a:avLst/>
+          </a:prstGeom>
+        </p:spPr>
+        <p:style>
+          <a:lnRef idx="1">
+            <a:schemeClr val="dk1"/>
+          </a:lnRef>
+          <a:fillRef idx="0">
+            <a:schemeClr val="dk1"/>
+          </a:fillRef>
+          <a:effectRef idx="0">
+            <a:schemeClr val="dk1"/>
+          </a:effectRef>
+          <a:fontRef idx="minor">
+            <a:schemeClr val="tx1"/>
+          </a:fontRef>
+        </p:style>
+      </p:cxnSp>
+      <p:cxnSp>
+        <p:nvCxnSpPr>
+          <p:cNvPr id="328" name="Straight Connector 327"/>
+          <p:cNvCxnSpPr>
+            <a:stCxn id="23" idx="1"/>
+            <a:endCxn id="226" idx="3"/>
+          </p:cNvCxnSpPr>
+          <p:nvPr/>
+        </p:nvCxnSpPr>
+        <p:spPr>
+          <a:xfrm flipH="1">
+            <a:off x="9744129" y="3599691"/>
+            <a:ext cx="222022" cy="182899"/>
+          </a:xfrm>
+          <a:prstGeom prst="line">
+            <a:avLst/>
+          </a:prstGeom>
+        </p:spPr>
+        <p:style>
+          <a:lnRef idx="1">
+            <a:schemeClr val="dk1"/>
+          </a:lnRef>
+          <a:fillRef idx="0">
+            <a:schemeClr val="dk1"/>
+          </a:fillRef>
+          <a:effectRef idx="0">
+            <a:schemeClr val="dk1"/>
+          </a:effectRef>
+          <a:fontRef idx="minor">
+            <a:schemeClr val="tx1"/>
+          </a:fontRef>
+        </p:style>
+      </p:cxnSp>
+      <p:cxnSp>
+        <p:nvCxnSpPr>
+          <p:cNvPr id="330" name="Straight Connector 329"/>
+          <p:cNvCxnSpPr>
+            <a:endCxn id="147" idx="7"/>
+          </p:cNvCxnSpPr>
+          <p:nvPr/>
+        </p:nvCxnSpPr>
+        <p:spPr>
+          <a:xfrm flipH="1" flipV="1">
+            <a:off x="8599091" y="1681803"/>
+            <a:ext cx="1010368" cy="17464"/>
+          </a:xfrm>
+          <a:prstGeom prst="line">
+            <a:avLst/>
+          </a:prstGeom>
+        </p:spPr>
+        <p:style>
+          <a:lnRef idx="1">
+            <a:schemeClr val="dk1"/>
+          </a:lnRef>
+          <a:fillRef idx="0">
+            <a:schemeClr val="dk1"/>
+          </a:fillRef>
+          <a:effectRef idx="0">
+            <a:schemeClr val="dk1"/>
+          </a:effectRef>
+          <a:fontRef idx="minor">
+            <a:schemeClr val="tx1"/>
+          </a:fontRef>
+        </p:style>
+      </p:cxnSp>
+      <p:cxnSp>
+        <p:nvCxnSpPr>
+          <p:cNvPr id="333" name="Straight Connector 332"/>
+          <p:cNvCxnSpPr>
+            <a:stCxn id="21" idx="2"/>
+            <a:endCxn id="227" idx="3"/>
+          </p:cNvCxnSpPr>
+          <p:nvPr/>
+        </p:nvCxnSpPr>
+        <p:spPr>
+          <a:xfrm>
+            <a:off x="9338788" y="1741532"/>
+            <a:ext cx="296653" cy="536314"/>
+          </a:xfrm>
+          <a:prstGeom prst="line">
+            <a:avLst/>
+          </a:prstGeom>
+        </p:spPr>
+        <p:style>
+          <a:lnRef idx="2">
+            <a:schemeClr val="dk1"/>
+          </a:lnRef>
+          <a:fillRef idx="1">
+            <a:schemeClr val="lt1"/>
+          </a:fillRef>
+          <a:effectRef idx="0">
+            <a:schemeClr val="dk1"/>
+          </a:effectRef>
+          <a:fontRef idx="minor">
+            <a:schemeClr val="dk1"/>
+          </a:fontRef>
+        </p:style>
+      </p:cxnSp>
+      <p:sp>
+        <p:nvSpPr>
+          <p:cNvPr id="334" name="Minus 333"/>
+          <p:cNvSpPr/>
+          <p:nvPr/>
+        </p:nvSpPr>
+        <p:spPr>
+          <a:xfrm rot="18904551">
+            <a:off x="6727007" y="3314174"/>
+            <a:ext cx="1647864" cy="388804"/>
+          </a:xfrm>
+          <a:prstGeom prst="mathMinus">
+            <a:avLst>
+              <a:gd name="adj1" fmla="val 14317"/>
+            </a:avLst>
+          </a:prstGeom>
+        </p:spPr>
+        <p:style>
+          <a:lnRef idx="2">
+            <a:schemeClr val="dk1"/>
+          </a:lnRef>
+          <a:fillRef idx="1">
+            <a:schemeClr val="lt1"/>
+          </a:fillRef>
+          <a:effectRef idx="0">
+            <a:schemeClr val="dk1"/>
+          </a:effectRef>
+          <a:fontRef idx="minor">
+            <a:schemeClr val="dk1"/>
           </a:fontRef>
         </p:style>
         <p:txBody>
@@ -5862,33 +6083,33 @@
       </p:sp>
       <p:sp>
         <p:nvSpPr>
-          <p:cNvPr id="225" name="Diamond 224"/>
+          <p:cNvPr id="341" name="Minus 340"/>
           <p:cNvSpPr/>
           <p:nvPr/>
         </p:nvSpPr>
         <p:spPr>
-          <a:xfrm>
-            <a:off x="5773728" y="829785"/>
-            <a:ext cx="1389954" cy="1195151"/>
-          </a:xfrm>
-          <a:prstGeom prst="diamond">
-            <a:avLst/>
+          <a:xfrm rot="20316913">
+            <a:off x="6896269" y="3844342"/>
+            <a:ext cx="1634005" cy="381071"/>
+          </a:xfrm>
+          <a:prstGeom prst="mathMinus">
+            <a:avLst>
+              <a:gd name="adj1" fmla="val 14317"/>
+            </a:avLst>
           </a:prstGeom>
         </p:spPr>
         <p:style>
           <a:lnRef idx="2">
-            <a:schemeClr val="accent1">
-              <a:shade val="50000"/>
-            </a:schemeClr>
+            <a:schemeClr val="dk1"/>
           </a:lnRef>
           <a:fillRef idx="1">
-            <a:schemeClr val="accent1"/>
-          </a:fillRef>
-          <a:effectRef idx="0">
-            <a:schemeClr val="accent1"/>
-          </a:effectRef>
-          <a:fontRef idx="minor">
             <a:schemeClr val="lt1"/>
+          </a:fillRef>
+          <a:effectRef idx="0">
+            <a:schemeClr val="dk1"/>
+          </a:effectRef>
+          <a:fontRef idx="minor">
+            <a:schemeClr val="dk1"/>
           </a:fontRef>
         </p:style>
         <p:txBody>
@@ -5900,35 +6121,445 @@
           </a:p>
         </p:txBody>
       </p:sp>
-      <p:sp>
-        <p:nvSpPr>
-          <p:cNvPr id="226" name="Diamond 225"/>
+      <p:cxnSp>
+        <p:nvCxnSpPr>
+          <p:cNvPr id="397" name="Straight Connector 396"/>
+          <p:cNvCxnSpPr>
+            <a:stCxn id="13" idx="1"/>
+            <a:endCxn id="224" idx="2"/>
+          </p:cNvCxnSpPr>
+          <p:nvPr/>
+        </p:nvCxnSpPr>
+        <p:spPr>
+          <a:xfrm flipH="1">
+            <a:off x="5034485" y="5934776"/>
+            <a:ext cx="3001211" cy="132897"/>
+          </a:xfrm>
+          <a:prstGeom prst="line">
+            <a:avLst/>
+          </a:prstGeom>
+        </p:spPr>
+        <p:style>
+          <a:lnRef idx="1">
+            <a:schemeClr val="dk1"/>
+          </a:lnRef>
+          <a:fillRef idx="0">
+            <a:schemeClr val="dk1"/>
+          </a:fillRef>
+          <a:effectRef idx="0">
+            <a:schemeClr val="dk1"/>
+          </a:effectRef>
+          <a:fontRef idx="minor">
+            <a:schemeClr val="tx1"/>
+          </a:fontRef>
+        </p:style>
+      </p:cxnSp>
+      <p:cxnSp>
+        <p:nvCxnSpPr>
+          <p:cNvPr id="418" name="Straight Connector 417"/>
+          <p:cNvCxnSpPr>
+            <a:stCxn id="13" idx="3"/>
+            <a:endCxn id="42" idx="2"/>
+          </p:cNvCxnSpPr>
+          <p:nvPr/>
+        </p:nvCxnSpPr>
+        <p:spPr>
+          <a:xfrm flipV="1">
+            <a:off x="9812981" y="5786859"/>
+            <a:ext cx="109883" cy="147917"/>
+          </a:xfrm>
+          <a:prstGeom prst="line">
+            <a:avLst/>
+          </a:prstGeom>
+        </p:spPr>
+        <p:style>
+          <a:lnRef idx="1">
+            <a:schemeClr val="dk1"/>
+          </a:lnRef>
+          <a:fillRef idx="0">
+            <a:schemeClr val="dk1"/>
+          </a:fillRef>
+          <a:effectRef idx="0">
+            <a:schemeClr val="dk1"/>
+          </a:effectRef>
+          <a:fontRef idx="minor">
+            <a:schemeClr val="tx1"/>
+          </a:fontRef>
+        </p:style>
+      </p:cxnSp>
+      <p:cxnSp>
+        <p:nvCxnSpPr>
+          <p:cNvPr id="433" name="Straight Connector 432"/>
+          <p:cNvCxnSpPr>
+            <a:stCxn id="24" idx="0"/>
+            <a:endCxn id="32" idx="4"/>
+          </p:cNvCxnSpPr>
+          <p:nvPr/>
+        </p:nvCxnSpPr>
+        <p:spPr>
+          <a:xfrm flipV="1">
+            <a:off x="6408582" y="3121924"/>
+            <a:ext cx="553023" cy="630457"/>
+          </a:xfrm>
+          <a:prstGeom prst="line">
+            <a:avLst/>
+          </a:prstGeom>
+        </p:spPr>
+        <p:style>
+          <a:lnRef idx="1">
+            <a:schemeClr val="dk1"/>
+          </a:lnRef>
+          <a:fillRef idx="0">
+            <a:schemeClr val="dk1"/>
+          </a:fillRef>
+          <a:effectRef idx="0">
+            <a:schemeClr val="dk1"/>
+          </a:effectRef>
+          <a:fontRef idx="minor">
+            <a:schemeClr val="tx1"/>
+          </a:fontRef>
+        </p:style>
+      </p:cxnSp>
+      <p:cxnSp>
+        <p:nvCxnSpPr>
+          <p:cNvPr id="444" name="Straight Connector 443"/>
+          <p:cNvCxnSpPr>
+            <a:stCxn id="22" idx="0"/>
+            <a:endCxn id="28" idx="5"/>
+          </p:cNvCxnSpPr>
+          <p:nvPr/>
+        </p:nvCxnSpPr>
+        <p:spPr>
+          <a:xfrm flipH="1" flipV="1">
+            <a:off x="2330309" y="4609093"/>
+            <a:ext cx="453540" cy="720921"/>
+          </a:xfrm>
+          <a:prstGeom prst="line">
+            <a:avLst/>
+          </a:prstGeom>
+        </p:spPr>
+        <p:style>
+          <a:lnRef idx="1">
+            <a:schemeClr val="dk1"/>
+          </a:lnRef>
+          <a:fillRef idx="0">
+            <a:schemeClr val="dk1"/>
+          </a:fillRef>
+          <a:effectRef idx="0">
+            <a:schemeClr val="dk1"/>
+          </a:effectRef>
+          <a:fontRef idx="minor">
+            <a:schemeClr val="tx1"/>
+          </a:fontRef>
+        </p:style>
+      </p:cxnSp>
+      <p:sp>
+        <p:nvSpPr>
+          <p:cNvPr id="475" name="TextBox 474"/>
+          <p:cNvSpPr txBox="1"/>
+          <p:nvPr/>
+        </p:nvSpPr>
+        <p:spPr>
+          <a:xfrm rot="4297452">
+            <a:off x="3353074" y="1866954"/>
+            <a:ext cx="358724" cy="369332"/>
+          </a:xfrm>
+          <a:prstGeom prst="rect">
+            <a:avLst/>
+          </a:prstGeom>
+          <a:noFill/>
+        </p:spPr>
+        <p:txBody>
+          <a:bodyPr wrap="square" rtlCol="0">
+            <a:spAutoFit/>
+          </a:bodyPr>
+          <a:lstStyle/>
+          <a:p>
+            <a:r>
+              <a:rPr lang="en-US" dirty="0" smtClean="0"/>
+              <a:t>1</a:t>
+            </a:r>
+            <a:endParaRPr lang="en-IN" dirty="0"/>
+          </a:p>
+        </p:txBody>
+      </p:sp>
+      <p:sp>
+        <p:nvSpPr>
+          <p:cNvPr id="476" name="TextBox 475"/>
+          <p:cNvSpPr txBox="1"/>
+          <p:nvPr/>
+        </p:nvSpPr>
+        <p:spPr>
+          <a:xfrm rot="1701220">
+            <a:off x="4721734" y="2870823"/>
+            <a:ext cx="443796" cy="369332"/>
+          </a:xfrm>
+          <a:prstGeom prst="rect">
+            <a:avLst/>
+          </a:prstGeom>
+          <a:noFill/>
+        </p:spPr>
+        <p:txBody>
+          <a:bodyPr wrap="square" rtlCol="0">
+            <a:spAutoFit/>
+          </a:bodyPr>
+          <a:lstStyle/>
+          <a:p>
+            <a:r>
+              <a:rPr lang="en-US" dirty="0" smtClean="0"/>
+              <a:t>1</a:t>
+            </a:r>
+            <a:endParaRPr lang="en-IN" dirty="0"/>
+          </a:p>
+        </p:txBody>
+      </p:sp>
+      <p:sp>
+        <p:nvSpPr>
+          <p:cNvPr id="478" name="TextBox 477"/>
+          <p:cNvSpPr txBox="1"/>
+          <p:nvPr/>
+        </p:nvSpPr>
+        <p:spPr>
+          <a:xfrm rot="20685196">
+            <a:off x="2822397" y="3016592"/>
+            <a:ext cx="398087" cy="369332"/>
+          </a:xfrm>
+          <a:prstGeom prst="rect">
+            <a:avLst/>
+          </a:prstGeom>
+          <a:noFill/>
+        </p:spPr>
+        <p:txBody>
+          <a:bodyPr wrap="square" rtlCol="0">
+            <a:spAutoFit/>
+          </a:bodyPr>
+          <a:lstStyle/>
+          <a:p>
+            <a:r>
+              <a:rPr lang="en-US" dirty="0" smtClean="0"/>
+              <a:t>1</a:t>
+            </a:r>
+            <a:endParaRPr lang="en-IN" dirty="0"/>
+          </a:p>
+        </p:txBody>
+      </p:sp>
+      <p:sp>
+        <p:nvSpPr>
+          <p:cNvPr id="489" name="TextBox 488"/>
+          <p:cNvSpPr txBox="1"/>
+          <p:nvPr/>
+        </p:nvSpPr>
+        <p:spPr>
+          <a:xfrm rot="19132929">
+            <a:off x="6900654" y="3345506"/>
+            <a:ext cx="665978" cy="369332"/>
+          </a:xfrm>
+          <a:prstGeom prst="rect">
+            <a:avLst/>
+          </a:prstGeom>
+          <a:noFill/>
+        </p:spPr>
+        <p:txBody>
+          <a:bodyPr wrap="square" rtlCol="0">
+            <a:spAutoFit/>
+          </a:bodyPr>
+          <a:lstStyle/>
+          <a:p>
+            <a:r>
+              <a:rPr lang="en-US" dirty="0" smtClean="0"/>
+              <a:t>    M</a:t>
+            </a:r>
+            <a:endParaRPr lang="en-IN" dirty="0"/>
+          </a:p>
+        </p:txBody>
+      </p:sp>
+      <p:sp>
+        <p:nvSpPr>
+          <p:cNvPr id="490" name="TextBox 489"/>
+          <p:cNvSpPr txBox="1"/>
+          <p:nvPr/>
+        </p:nvSpPr>
+        <p:spPr>
+          <a:xfrm rot="19247025">
+            <a:off x="8986000" y="1848215"/>
+            <a:ext cx="508123" cy="369332"/>
+          </a:xfrm>
+          <a:prstGeom prst="rect">
+            <a:avLst/>
+          </a:prstGeom>
+          <a:noFill/>
+        </p:spPr>
+        <p:txBody>
+          <a:bodyPr wrap="square" rtlCol="0">
+            <a:spAutoFit/>
+          </a:bodyPr>
+          <a:lstStyle/>
+          <a:p>
+            <a:r>
+              <a:rPr lang="en-US" dirty="0"/>
+              <a:t> </a:t>
+            </a:r>
+            <a:r>
+              <a:rPr lang="en-US" dirty="0" smtClean="0"/>
+              <a:t>  1</a:t>
+            </a:r>
+            <a:endParaRPr lang="en-IN" dirty="0"/>
+          </a:p>
+        </p:txBody>
+      </p:sp>
+      <p:sp>
+        <p:nvSpPr>
+          <p:cNvPr id="491" name="TextBox 490"/>
+          <p:cNvSpPr txBox="1"/>
+          <p:nvPr/>
+        </p:nvSpPr>
+        <p:spPr>
+          <a:xfrm rot="20830790">
+            <a:off x="7253627" y="3690068"/>
+            <a:ext cx="555155" cy="369332"/>
+          </a:xfrm>
+          <a:prstGeom prst="rect">
+            <a:avLst/>
+          </a:prstGeom>
+          <a:noFill/>
+        </p:spPr>
+        <p:txBody>
+          <a:bodyPr wrap="square" rtlCol="0">
+            <a:spAutoFit/>
+          </a:bodyPr>
+          <a:lstStyle/>
+          <a:p>
+            <a:r>
+              <a:rPr lang="en-US" dirty="0" smtClean="0"/>
+              <a:t>  M</a:t>
+            </a:r>
+            <a:endParaRPr lang="en-IN" dirty="0"/>
+          </a:p>
+        </p:txBody>
+      </p:sp>
+      <p:sp>
+        <p:nvSpPr>
+          <p:cNvPr id="507" name="TextBox 506"/>
+          <p:cNvSpPr txBox="1"/>
+          <p:nvPr/>
+        </p:nvSpPr>
+        <p:spPr>
+          <a:xfrm>
+            <a:off x="9728252" y="3349796"/>
+            <a:ext cx="343615" cy="369332"/>
+          </a:xfrm>
+          <a:prstGeom prst="rect">
+            <a:avLst/>
+          </a:prstGeom>
+          <a:noFill/>
+        </p:spPr>
+        <p:txBody>
+          <a:bodyPr wrap="square" rtlCol="0">
+            <a:spAutoFit/>
+          </a:bodyPr>
+          <a:lstStyle/>
+          <a:p>
+            <a:r>
+              <a:rPr lang="en-US" dirty="0" smtClean="0"/>
+              <a:t>1</a:t>
+            </a:r>
+            <a:endParaRPr lang="en-IN" dirty="0"/>
+          </a:p>
+        </p:txBody>
+      </p:sp>
+      <p:cxnSp>
+        <p:nvCxnSpPr>
+          <p:cNvPr id="455" name="Straight Connector 454"/>
+          <p:cNvCxnSpPr>
+            <a:stCxn id="30" idx="7"/>
+            <a:endCxn id="22" idx="1"/>
+          </p:cNvCxnSpPr>
+          <p:nvPr/>
+        </p:nvCxnSpPr>
+        <p:spPr>
+          <a:xfrm flipV="1">
+            <a:off x="1476907" y="5545807"/>
+            <a:ext cx="517460" cy="178855"/>
+          </a:xfrm>
+          <a:prstGeom prst="line">
+            <a:avLst/>
+          </a:prstGeom>
+        </p:spPr>
+        <p:style>
+          <a:lnRef idx="1">
+            <a:schemeClr val="dk1"/>
+          </a:lnRef>
+          <a:fillRef idx="0">
+            <a:schemeClr val="dk1"/>
+          </a:fillRef>
+          <a:effectRef idx="0">
+            <a:schemeClr val="dk1"/>
+          </a:effectRef>
+          <a:fontRef idx="minor">
+            <a:schemeClr val="tx1"/>
+          </a:fontRef>
+        </p:style>
+      </p:cxnSp>
+      <p:cxnSp>
+        <p:nvCxnSpPr>
+          <p:cNvPr id="517" name="Straight Connector 516"/>
+          <p:cNvCxnSpPr>
+            <a:stCxn id="224" idx="3"/>
+            <a:endCxn id="23" idx="2"/>
+          </p:cNvCxnSpPr>
+          <p:nvPr/>
+        </p:nvCxnSpPr>
+        <p:spPr>
+          <a:xfrm flipV="1">
+            <a:off x="5729462" y="3863987"/>
+            <a:ext cx="4741863" cy="1673535"/>
+          </a:xfrm>
+          <a:prstGeom prst="line">
+            <a:avLst/>
+          </a:prstGeom>
+        </p:spPr>
+        <p:style>
+          <a:lnRef idx="1">
+            <a:schemeClr val="dk1"/>
+          </a:lnRef>
+          <a:fillRef idx="0">
+            <a:schemeClr val="dk1"/>
+          </a:fillRef>
+          <a:effectRef idx="0">
+            <a:schemeClr val="dk1"/>
+          </a:effectRef>
+          <a:fontRef idx="minor">
+            <a:schemeClr val="tx1"/>
+          </a:fontRef>
+        </p:style>
+      </p:cxnSp>
+      <p:sp>
+        <p:nvSpPr>
+          <p:cNvPr id="232" name="Oval 231"/>
           <p:cNvSpPr/>
           <p:nvPr/>
         </p:nvSpPr>
         <p:spPr>
           <a:xfrm>
-            <a:off x="8129033" y="3261073"/>
-            <a:ext cx="1389954" cy="1195151"/>
-          </a:xfrm>
-          <a:prstGeom prst="diamond">
+            <a:off x="10071867" y="4447819"/>
+            <a:ext cx="1951757" cy="396107"/>
+          </a:xfrm>
+          <a:prstGeom prst="ellipse">
             <a:avLst/>
           </a:prstGeom>
         </p:spPr>
         <p:style>
           <a:lnRef idx="2">
-            <a:schemeClr val="accent1">
-              <a:shade val="50000"/>
-            </a:schemeClr>
+            <a:schemeClr val="dk1"/>
           </a:lnRef>
           <a:fillRef idx="1">
-            <a:schemeClr val="accent1"/>
-          </a:fillRef>
-          <a:effectRef idx="0">
-            <a:schemeClr val="accent1"/>
-          </a:effectRef>
-          <a:fontRef idx="minor">
             <a:schemeClr val="lt1"/>
+          </a:fillRef>
+          <a:effectRef idx="0">
+            <a:schemeClr val="dk1"/>
+          </a:effectRef>
+          <a:fontRef idx="minor">
+            <a:schemeClr val="dk1"/>
           </a:fontRef>
         </p:style>
         <p:txBody>
@@ -5936,90 +6567,47 @@
           <a:lstStyle/>
           <a:p>
             <a:pPr algn="ctr"/>
-            <a:endParaRPr lang="en-IN"/>
-          </a:p>
-        </p:txBody>
-      </p:sp>
-      <p:sp>
-        <p:nvSpPr>
-          <p:cNvPr id="227" name="Diamond 226"/>
-          <p:cNvSpPr/>
-          <p:nvPr/>
-        </p:nvSpPr>
-        <p:spPr>
-          <a:xfrm>
-            <a:off x="7498496" y="2104368"/>
-            <a:ext cx="1389954" cy="1195151"/>
-          </a:xfrm>
-          <a:prstGeom prst="diamond">
-            <a:avLst/>
-          </a:prstGeom>
-        </p:spPr>
-        <p:style>
-          <a:lnRef idx="2">
-            <a:schemeClr val="accent1">
-              <a:shade val="50000"/>
-            </a:schemeClr>
-          </a:lnRef>
-          <a:fillRef idx="1">
-            <a:schemeClr val="accent1"/>
-          </a:fillRef>
-          <a:effectRef idx="0">
-            <a:schemeClr val="accent1"/>
-          </a:effectRef>
-          <a:fontRef idx="minor">
-            <a:schemeClr val="lt1"/>
-          </a:fontRef>
-        </p:style>
-        <p:txBody>
-          <a:bodyPr rtlCol="0" anchor="ctr"/>
-          <a:lstStyle/>
-          <a:p>
-            <a:pPr algn="ctr"/>
-            <a:endParaRPr lang="en-IN"/>
-          </a:p>
-        </p:txBody>
-      </p:sp>
-      <p:sp>
-        <p:nvSpPr>
-          <p:cNvPr id="228" name="Diamond 227"/>
-          <p:cNvSpPr/>
-          <p:nvPr/>
-        </p:nvSpPr>
-        <p:spPr>
-          <a:xfrm>
-            <a:off x="9818950" y="4109136"/>
-            <a:ext cx="1389954" cy="1195151"/>
-          </a:xfrm>
-          <a:prstGeom prst="diamond">
-            <a:avLst/>
-          </a:prstGeom>
-        </p:spPr>
-        <p:style>
-          <a:lnRef idx="2">
-            <a:schemeClr val="accent1">
-              <a:shade val="50000"/>
-            </a:schemeClr>
-          </a:lnRef>
-          <a:fillRef idx="1">
-            <a:schemeClr val="accent1"/>
-          </a:fillRef>
-          <a:effectRef idx="0">
-            <a:schemeClr val="accent1"/>
-          </a:effectRef>
-          <a:fontRef idx="minor">
-            <a:schemeClr val="lt1"/>
-          </a:fontRef>
-        </p:style>
-        <p:txBody>
-          <a:bodyPr rtlCol="0" anchor="ctr"/>
-          <a:lstStyle/>
-          <a:p>
-            <a:pPr algn="ctr"/>
-            <a:endParaRPr lang="en-IN"/>
-          </a:p>
-        </p:txBody>
-      </p:sp>
+            <a:r>
+              <a:rPr lang="en-US" dirty="0" err="1" smtClean="0"/>
+              <a:t>technicianId</a:t>
+            </a:r>
+            <a:endParaRPr lang="en-IN" dirty="0"/>
+          </a:p>
+        </p:txBody>
+      </p:sp>
+      <p:cxnSp>
+        <p:nvCxnSpPr>
+          <p:cNvPr id="235" name="Straight Connector 234"/>
+          <p:cNvCxnSpPr>
+            <a:stCxn id="23" idx="2"/>
+            <a:endCxn id="232" idx="0"/>
+          </p:cNvCxnSpPr>
+          <p:nvPr/>
+        </p:nvCxnSpPr>
+        <p:spPr>
+          <a:xfrm>
+            <a:off x="10471325" y="3863987"/>
+            <a:ext cx="576421" cy="583832"/>
+          </a:xfrm>
+          <a:prstGeom prst="line">
+            <a:avLst/>
+          </a:prstGeom>
+        </p:spPr>
+        <p:style>
+          <a:lnRef idx="1">
+            <a:schemeClr val="dk1"/>
+          </a:lnRef>
+          <a:fillRef idx="0">
+            <a:schemeClr val="dk1"/>
+          </a:fillRef>
+          <a:effectRef idx="0">
+            <a:schemeClr val="dk1"/>
+          </a:effectRef>
+          <a:fontRef idx="minor">
+            <a:schemeClr val="tx1"/>
+          </a:fontRef>
+        </p:style>
+      </p:cxnSp>
     </p:spTree>
     <p:extLst>
       <p:ext uri="{BB962C8B-B14F-4D97-AF65-F5344CB8AC3E}">
